--- a/lecture_06.pptx
+++ b/lecture_06.pptx
@@ -5,10 +5,10 @@
     <p:sldMasterId id="2147483648" r:id="rId1"/>
   </p:sldMasterIdLst>
   <p:notesMasterIdLst>
-    <p:notesMasterId r:id="rId21"/>
+    <p:notesMasterId r:id="rId22"/>
   </p:notesMasterIdLst>
   <p:handoutMasterIdLst>
-    <p:handoutMasterId r:id="rId22"/>
+    <p:handoutMasterId r:id="rId23"/>
   </p:handoutMasterIdLst>
   <p:sldIdLst>
     <p:sldId id="311" r:id="rId2"/>
@@ -28,8 +28,9 @@
     <p:sldId id="403" r:id="rId16"/>
     <p:sldId id="399" r:id="rId17"/>
     <p:sldId id="404" r:id="rId18"/>
-    <p:sldId id="386" r:id="rId19"/>
-    <p:sldId id="364" r:id="rId20"/>
+    <p:sldId id="423" r:id="rId19"/>
+    <p:sldId id="386" r:id="rId20"/>
+    <p:sldId id="364" r:id="rId21"/>
   </p:sldIdLst>
   <p:sldSz cx="9144000" cy="6858000" type="screen4x3"/>
   <p:notesSz cx="7077075" cy="9393238"/>
@@ -153,6 +154,50 @@
 </p:cmAuthorLst>
 </file>
 
+<file path=ppt/revisionInfo.xml><?xml version="1.0" encoding="utf-8"?>
+<p1510:revInfo xmlns:a="http://schemas.openxmlformats.org/drawingml/2006/main" xmlns:r="http://schemas.openxmlformats.org/officeDocument/2006/relationships" xmlns:p1510="http://schemas.microsoft.com/office/powerpoint/2015/10/main">
+  <p1510:revLst>
+    <p1510:client id="{2AE85A61-42AD-414E-9D09-E1BD15EF81FE}" v="2" dt="2022-11-23T01:01:48.126"/>
+  </p1510:revLst>
+</p1510:revInfo>
+</file>
+
+<file path=ppt/changesInfos/changesInfo1.xml><?xml version="1.0" encoding="utf-8"?>
+<pc:chgInfo xmlns:a="http://schemas.openxmlformats.org/drawingml/2006/main" xmlns:r="http://schemas.openxmlformats.org/officeDocument/2006/relationships" xmlns:ac="http://schemas.microsoft.com/office/drawing/2013/main/command" xmlns:pc="http://schemas.microsoft.com/office/powerpoint/2013/main/command">
+  <pc:docChgLst>
+    <pc:chgData name="Jeremy Morris" userId="61d0930d-783c-47ef-8ceb-30a548d227fc" providerId="ADAL" clId="{2AE85A61-42AD-414E-9D09-E1BD15EF81FE}"/>
+    <pc:docChg chg="undo custSel addSld modSld sldOrd">
+      <pc:chgData name="Jeremy Morris" userId="61d0930d-783c-47ef-8ceb-30a548d227fc" providerId="ADAL" clId="{2AE85A61-42AD-414E-9D09-E1BD15EF81FE}" dt="2022-11-23T02:00:11.828" v="9" actId="20578"/>
+      <pc:docMkLst>
+        <pc:docMk/>
+      </pc:docMkLst>
+      <pc:sldChg chg="addSp delSp modSp mod">
+        <pc:chgData name="Jeremy Morris" userId="61d0930d-783c-47ef-8ceb-30a548d227fc" providerId="ADAL" clId="{2AE85A61-42AD-414E-9D09-E1BD15EF81FE}" dt="2022-11-23T01:03:38.713" v="3"/>
+        <pc:sldMkLst>
+          <pc:docMk/>
+          <pc:sldMk cId="2139498462" sldId="386"/>
+        </pc:sldMkLst>
+        <pc:spChg chg="add del mod">
+          <ac:chgData name="Jeremy Morris" userId="61d0930d-783c-47ef-8ceb-30a548d227fc" providerId="ADAL" clId="{2AE85A61-42AD-414E-9D09-E1BD15EF81FE}" dt="2022-11-23T01:03:38.713" v="3"/>
+          <ac:spMkLst>
+            <pc:docMk/>
+            <pc:sldMk cId="2139498462" sldId="386"/>
+            <ac:spMk id="5" creationId="{838DC092-81DF-636E-43B5-5D4034C3AEEC}"/>
+          </ac:spMkLst>
+        </pc:spChg>
+      </pc:sldChg>
+      <pc:sldChg chg="add ord modTransition">
+        <pc:chgData name="Jeremy Morris" userId="61d0930d-783c-47ef-8ceb-30a548d227fc" providerId="ADAL" clId="{2AE85A61-42AD-414E-9D09-E1BD15EF81FE}" dt="2022-11-23T02:00:11.828" v="9" actId="20578"/>
+        <pc:sldMkLst>
+          <pc:docMk/>
+          <pc:sldMk cId="2356492135" sldId="423"/>
+        </pc:sldMkLst>
+      </pc:sldChg>
+    </pc:docChg>
+  </pc:docChgLst>
+</pc:chgInfo>
+</file>
+
 <file path=ppt/handoutMasters/handoutMaster1.xml><?xml version="1.0" encoding="utf-8"?>
 <p:handoutMaster xmlns:a="http://schemas.openxmlformats.org/drawingml/2006/main" xmlns:r="http://schemas.openxmlformats.org/officeDocument/2006/relationships" xmlns:p="http://schemas.openxmlformats.org/presentationml/2006/main">
   <p:cSld>
@@ -236,7 +281,7 @@
             <a:fld id="{D74C362C-B8EB-FD47-9516-07D42DF4EB3B}" type="datetimeFigureOut">
               <a:rPr lang="en-US" smtClean="0"/>
               <a:pPr/>
-              <a:t>4/15/19</a:t>
+              <a:t>11/22/22</a:t>
             </a:fld>
             <a:endParaRPr lang="en-US" dirty="0"/>
           </a:p>
@@ -404,7 +449,7 @@
             <a:fld id="{C4A2F74A-12B1-374E-80C1-2FDEFD7DEBF6}" type="datetimeFigureOut">
               <a:rPr lang="en-US" smtClean="0"/>
               <a:pPr/>
-              <a:t>4/15/19</a:t>
+              <a:t>11/22/22</a:t>
             </a:fld>
             <a:endParaRPr lang="en-US" dirty="0"/>
           </a:p>
@@ -951,6 +996,94 @@
 </p:notes>
 </file>
 
+<file path=ppt/notesSlides/notesSlide4.xml><?xml version="1.0" encoding="utf-8"?>
+<p:notes xmlns:a="http://schemas.openxmlformats.org/drawingml/2006/main" xmlns:r="http://schemas.openxmlformats.org/officeDocument/2006/relationships" xmlns:p="http://schemas.openxmlformats.org/presentationml/2006/main">
+  <p:cSld>
+    <p:spTree>
+      <p:nvGrpSpPr>
+        <p:cNvPr id="1" name=""/>
+        <p:cNvGrpSpPr/>
+        <p:nvPr/>
+      </p:nvGrpSpPr>
+      <p:grpSpPr>
+        <a:xfrm>
+          <a:off x="0" y="0"/>
+          <a:ext cx="0" cy="0"/>
+          <a:chOff x="0" y="0"/>
+          <a:chExt cx="0" cy="0"/>
+        </a:xfrm>
+      </p:grpSpPr>
+      <p:sp>
+        <p:nvSpPr>
+          <p:cNvPr id="2" name="Slide Image Placeholder 1"/>
+          <p:cNvSpPr>
+            <a:spLocks noGrp="1" noRot="1" noChangeAspect="1"/>
+          </p:cNvSpPr>
+          <p:nvPr>
+            <p:ph type="sldImg"/>
+          </p:nvPr>
+        </p:nvSpPr>
+        <p:spPr/>
+      </p:sp>
+      <p:sp>
+        <p:nvSpPr>
+          <p:cNvPr id="3" name="Notes Placeholder 2"/>
+          <p:cNvSpPr>
+            <a:spLocks noGrp="1"/>
+          </p:cNvSpPr>
+          <p:nvPr>
+            <p:ph type="body" idx="1"/>
+          </p:nvPr>
+        </p:nvSpPr>
+        <p:spPr/>
+        <p:txBody>
+          <a:bodyPr/>
+          <a:lstStyle/>
+          <a:p>
+            <a:r>
+              <a:rPr lang="en-US" dirty="0"/>
+              <a:t>Hook is the inciting incident – acts as a turning point in the story and begins to reveal a problem or an opportunity</a:t>
+            </a:r>
+          </a:p>
+        </p:txBody>
+      </p:sp>
+      <p:sp>
+        <p:nvSpPr>
+          <p:cNvPr id="4" name="Slide Number Placeholder 3"/>
+          <p:cNvSpPr>
+            <a:spLocks noGrp="1"/>
+          </p:cNvSpPr>
+          <p:nvPr>
+            <p:ph type="sldNum" sz="quarter" idx="5"/>
+          </p:nvPr>
+        </p:nvSpPr>
+        <p:spPr/>
+        <p:txBody>
+          <a:bodyPr/>
+          <a:lstStyle/>
+          <a:p>
+            <a:fld id="{38E0659F-3E19-A049-AC1A-FB6BFDC66573}" type="slidenum">
+              <a:rPr lang="en-US" altLang="en-US" smtClean="0"/>
+              <a:pPr/>
+              <a:t>18</a:t>
+            </a:fld>
+            <a:endParaRPr lang="en-US" altLang="en-US" dirty="0"/>
+          </a:p>
+        </p:txBody>
+      </p:sp>
+    </p:spTree>
+    <p:extLst>
+      <p:ext uri="{BB962C8B-B14F-4D97-AF65-F5344CB8AC3E}">
+        <p14:creationId xmlns:p14="http://schemas.microsoft.com/office/powerpoint/2010/main" val="4227813133"/>
+      </p:ext>
+    </p:extLst>
+  </p:cSld>
+  <p:clrMapOvr>
+    <a:masterClrMapping/>
+  </p:clrMapOvr>
+</p:notes>
+</file>
+
 <file path=ppt/slideLayouts/slideLayout1.xml><?xml version="1.0" encoding="utf-8"?>
 <p:sldLayout xmlns:a="http://schemas.openxmlformats.org/drawingml/2006/main" xmlns:r="http://schemas.openxmlformats.org/officeDocument/2006/relationships" xmlns:p="http://schemas.openxmlformats.org/presentationml/2006/main" type="title" preserve="1">
   <p:cSld name="Title Slide">
@@ -1141,7 +1274,7 @@
             <a:fld id="{BF2120F1-9931-5144-8579-2441D6C0DD32}" type="datetime1">
               <a:rPr lang="en-US" smtClean="0"/>
               <a:pPr/>
-              <a:t>4/15/19</a:t>
+              <a:t>11/22/22</a:t>
             </a:fld>
             <a:endParaRPr lang="en-US" dirty="0"/>
           </a:p>
@@ -1314,7 +1447,7 @@
             <a:fld id="{CCBA9B1B-521F-F040-A936-9C24B7C3F03A}" type="datetime1">
               <a:rPr lang="en-US" smtClean="0"/>
               <a:pPr/>
-              <a:t>4/15/19</a:t>
+              <a:t>11/22/22</a:t>
             </a:fld>
             <a:endParaRPr lang="en-US" dirty="0"/>
           </a:p>
@@ -1489,7 +1622,7 @@
             <a:fld id="{48A00697-3A82-494B-A2A9-9056C0181C76}" type="datetime1">
               <a:rPr lang="en-US" smtClean="0"/>
               <a:pPr/>
-              <a:t>4/15/19</a:t>
+              <a:t>11/22/22</a:t>
             </a:fld>
             <a:endParaRPr lang="en-US" dirty="0"/>
           </a:p>
@@ -1654,7 +1787,7 @@
             <a:fld id="{EED28DF4-C6BF-7F42-B138-795ED59850A4}" type="datetime1">
               <a:rPr lang="en-US" smtClean="0"/>
               <a:pPr/>
-              <a:t>4/15/19</a:t>
+              <a:t>11/22/22</a:t>
             </a:fld>
             <a:endParaRPr lang="en-US" dirty="0"/>
           </a:p>
@@ -1896,7 +2029,7 @@
             <a:fld id="{532AA17B-7185-6C44-A552-058DC86AD96F}" type="datetime1">
               <a:rPr lang="en-US" smtClean="0"/>
               <a:pPr/>
-              <a:t>4/15/19</a:t>
+              <a:t>11/22/22</a:t>
             </a:fld>
             <a:endParaRPr lang="en-US" dirty="0"/>
           </a:p>
@@ -2178,7 +2311,7 @@
             <a:fld id="{A2DFB613-38D3-1149-A0A4-2A57BFB6831E}" type="datetime1">
               <a:rPr lang="en-US" smtClean="0"/>
               <a:pPr/>
-              <a:t>4/15/19</a:t>
+              <a:t>11/22/22</a:t>
             </a:fld>
             <a:endParaRPr lang="en-US" dirty="0"/>
           </a:p>
@@ -2594,7 +2727,7 @@
             <a:fld id="{C091352F-42AA-1A4A-BD42-9B228A48C236}" type="datetime1">
               <a:rPr lang="en-US" smtClean="0"/>
               <a:pPr/>
-              <a:t>4/15/19</a:t>
+              <a:t>11/22/22</a:t>
             </a:fld>
             <a:endParaRPr lang="en-US" dirty="0"/>
           </a:p>
@@ -2708,7 +2841,7 @@
             <a:fld id="{2CEB281E-5358-9348-B9AE-FA8A5F98086C}" type="datetime1">
               <a:rPr lang="en-US" smtClean="0"/>
               <a:pPr/>
-              <a:t>4/15/19</a:t>
+              <a:t>11/22/22</a:t>
             </a:fld>
             <a:endParaRPr lang="en-US" dirty="0"/>
           </a:p>
@@ -2800,7 +2933,7 @@
             <a:fld id="{DE613C27-B94C-214A-AD40-E117D03A6D82}" type="datetime1">
               <a:rPr lang="en-US" smtClean="0"/>
               <a:pPr/>
-              <a:t>4/15/19</a:t>
+              <a:t>11/22/22</a:t>
             </a:fld>
             <a:endParaRPr lang="en-US" dirty="0"/>
           </a:p>
@@ -3072,7 +3205,7 @@
             <a:fld id="{9321218D-3333-E24A-A5A0-456EBB6100E7}" type="datetime1">
               <a:rPr lang="en-US" smtClean="0"/>
               <a:pPr/>
-              <a:t>4/15/19</a:t>
+              <a:t>11/22/22</a:t>
             </a:fld>
             <a:endParaRPr lang="en-US" dirty="0"/>
           </a:p>
@@ -3321,7 +3454,7 @@
             <a:fld id="{8AD4A7FE-19C1-714A-BBBC-D934D8657335}" type="datetime1">
               <a:rPr lang="en-US" smtClean="0"/>
               <a:pPr/>
-              <a:t>4/15/19</a:t>
+              <a:t>11/22/22</a:t>
             </a:fld>
             <a:endParaRPr lang="en-US" dirty="0"/>
           </a:p>
@@ -3529,7 +3662,7 @@
             <a:fld id="{9F9391EC-ACC5-D54E-8D06-C2561D95A2AA}" type="datetime1">
               <a:rPr lang="en-US" smtClean="0"/>
               <a:pPr/>
-              <a:t>4/15/19</a:t>
+              <a:t>11/22/22</a:t>
             </a:fld>
             <a:endParaRPr lang="en-US" dirty="0"/>
           </a:p>
@@ -5086,7 +5219,13 @@
       </p:grpSpPr>
       <p:sp>
         <p:nvSpPr>
-          <p:cNvPr id="2" name="Title 1"/>
+          <p:cNvPr id="2" name="Title 1">
+            <a:extLst>
+              <a:ext uri="{FF2B5EF4-FFF2-40B4-BE49-F238E27FC236}">
+                <a16:creationId xmlns:a16="http://schemas.microsoft.com/office/drawing/2014/main" id="{4B6DA677-D473-6D2F-020E-0E74776D9809}"/>
+              </a:ext>
+            </a:extLst>
+          </p:cNvPr>
           <p:cNvSpPr>
             <a:spLocks noGrp="1"/>
           </p:cNvSpPr>
@@ -5101,61 +5240,103 @@
           <a:p>
             <a:r>
               <a:rPr lang="en-US" dirty="0"/>
-              <a:t>References</a:t>
-            </a:r>
-          </a:p>
-        </p:txBody>
-      </p:sp>
-      <p:sp>
-        <p:nvSpPr>
-          <p:cNvPr id="3" name="Content Placeholder 2"/>
-          <p:cNvSpPr>
-            <a:spLocks noGrp="1"/>
-          </p:cNvSpPr>
-          <p:nvPr>
-            <p:ph idx="1"/>
-          </p:nvPr>
-        </p:nvSpPr>
-        <p:spPr/>
-        <p:txBody>
-          <a:bodyPr/>
-          <a:lstStyle/>
-          <a:p>
-            <a:r>
-              <a:rPr lang="en-US" dirty="0"/>
-              <a:t>Nussbaumer Knaflic, C., “storytelling with data”, Wiley (2015)</a:t>
-            </a:r>
-          </a:p>
-        </p:txBody>
-      </p:sp>
-      <p:sp>
-        <p:nvSpPr>
-          <p:cNvPr id="4" name="Slide Number Placeholder 3"/>
-          <p:cNvSpPr>
-            <a:spLocks noGrp="1"/>
-          </p:cNvSpPr>
-          <p:nvPr>
-            <p:ph type="sldNum" sz="quarter" idx="12"/>
-          </p:nvPr>
-        </p:nvSpPr>
-        <p:spPr/>
-        <p:txBody>
-          <a:bodyPr/>
-          <a:lstStyle/>
-          <a:p>
-            <a:fld id="{B865C6C0-BAA3-C04F-B318-568435D2B337}" type="slidenum">
-              <a:rPr lang="en-US" smtClean="0"/>
-              <a:pPr/>
-              <a:t>18</a:t>
-            </a:fld>
-            <a:endParaRPr lang="en-US" dirty="0"/>
+              <a:t>Modify for data storytelling</a:t>
+            </a:r>
+          </a:p>
+        </p:txBody>
+      </p:sp>
+      <p:pic>
+        <p:nvPicPr>
+          <p:cNvPr id="3074" name="Picture 2" descr="Telling Effective Data Stories with Data, Narrative, and Visuals | DataCamp">
+            <a:extLst>
+              <a:ext uri="{FF2B5EF4-FFF2-40B4-BE49-F238E27FC236}">
+                <a16:creationId xmlns:a16="http://schemas.microsoft.com/office/drawing/2014/main" id="{CC9363C2-8BCA-D641-9516-F01C42801B9E}"/>
+              </a:ext>
+            </a:extLst>
+          </p:cNvPr>
+          <p:cNvPicPr>
+            <a:picLocks noChangeAspect="1" noChangeArrowheads="1"/>
+          </p:cNvPicPr>
+          <p:nvPr/>
+        </p:nvPicPr>
+        <p:blipFill>
+          <a:blip r:embed="rId3">
+            <a:extLst>
+              <a:ext uri="{28A0092B-C50C-407E-A947-70E740481C1C}">
+                <a14:useLocalDpi xmlns:a14="http://schemas.microsoft.com/office/drawing/2010/main" val="0"/>
+              </a:ext>
+            </a:extLst>
+          </a:blip>
+          <a:srcRect/>
+          <a:stretch>
+            <a:fillRect/>
+          </a:stretch>
+        </p:blipFill>
+        <p:spPr bwMode="auto">
+          <a:xfrm>
+            <a:off x="1601409" y="2119348"/>
+            <a:ext cx="5941182" cy="3123693"/>
+          </a:xfrm>
+          <a:prstGeom prst="rect">
+            <a:avLst/>
+          </a:prstGeom>
+          <a:noFill/>
+          <a:extLst>
+            <a:ext uri="{909E8E84-426E-40DD-AFC4-6F175D3DCCD1}">
+              <a14:hiddenFill xmlns:a14="http://schemas.microsoft.com/office/drawing/2010/main">
+                <a:solidFill>
+                  <a:srgbClr val="FFFFFF"/>
+                </a:solidFill>
+              </a14:hiddenFill>
+            </a:ext>
+          </a:extLst>
+        </p:spPr>
+      </p:pic>
+      <p:sp>
+        <p:nvSpPr>
+          <p:cNvPr id="3" name="TextBox 2">
+            <a:extLst>
+              <a:ext uri="{FF2B5EF4-FFF2-40B4-BE49-F238E27FC236}">
+                <a16:creationId xmlns:a16="http://schemas.microsoft.com/office/drawing/2014/main" id="{C35965E4-B198-4DB3-A052-29EDFAD24723}"/>
+              </a:ext>
+            </a:extLst>
+          </p:cNvPr>
+          <p:cNvSpPr txBox="1"/>
+          <p:nvPr/>
+        </p:nvSpPr>
+        <p:spPr>
+          <a:xfrm>
+            <a:off x="1601409" y="5423243"/>
+            <a:ext cx="2172832" cy="200504"/>
+          </a:xfrm>
+          <a:prstGeom prst="rect">
+            <a:avLst/>
+          </a:prstGeom>
+          <a:noFill/>
+        </p:spPr>
+        <p:txBody>
+          <a:bodyPr wrap="square" rtlCol="0">
+            <a:spAutoFit/>
+          </a:bodyPr>
+          <a:lstStyle/>
+          <a:p>
+            <a:r>
+              <a:rPr lang="en-US" sz="703" dirty="0">
+                <a:hlinkClick r:id="rId4"/>
+              </a:rPr>
+              <a:t>https://www.youtube.com/watch?v=UGWA7Nuz9e4</a:t>
+            </a:r>
+            <a:r>
+              <a:rPr lang="en-US" sz="703" dirty="0"/>
+              <a:t> </a:t>
+            </a:r>
           </a:p>
         </p:txBody>
       </p:sp>
     </p:spTree>
     <p:extLst>
       <p:ext uri="{BB962C8B-B14F-4D97-AF65-F5344CB8AC3E}">
-        <p14:creationId xmlns:p14="http://schemas.microsoft.com/office/powerpoint/2010/main" val="2139498462"/>
+        <p14:creationId xmlns:p14="http://schemas.microsoft.com/office/powerpoint/2010/main" val="2356492135"/>
       </p:ext>
     </p:extLst>
   </p:cSld>
@@ -5199,7 +5380,29 @@
           <a:p>
             <a:r>
               <a:rPr lang="en-US" dirty="0"/>
-              <a:t>Appendix</a:t>
+              <a:t>References</a:t>
+            </a:r>
+          </a:p>
+        </p:txBody>
+      </p:sp>
+      <p:sp>
+        <p:nvSpPr>
+          <p:cNvPr id="3" name="Content Placeholder 2"/>
+          <p:cNvSpPr>
+            <a:spLocks noGrp="1"/>
+          </p:cNvSpPr>
+          <p:nvPr>
+            <p:ph idx="1"/>
+          </p:nvPr>
+        </p:nvSpPr>
+        <p:spPr/>
+        <p:txBody>
+          <a:bodyPr/>
+          <a:lstStyle/>
+          <a:p>
+            <a:r>
+              <a:rPr lang="en-US" dirty="0"/>
+              <a:t>Nussbaumer Knaflic, C., “storytelling with data”, Wiley (2015)</a:t>
             </a:r>
           </a:p>
         </p:txBody>
@@ -5231,7 +5434,7 @@
     </p:spTree>
     <p:extLst>
       <p:ext uri="{BB962C8B-B14F-4D97-AF65-F5344CB8AC3E}">
-        <p14:creationId xmlns:p14="http://schemas.microsoft.com/office/powerpoint/2010/main" val="990484178"/>
+        <p14:creationId xmlns:p14="http://schemas.microsoft.com/office/powerpoint/2010/main" val="2139498462"/>
       </p:ext>
     </p:extLst>
   </p:cSld>
@@ -5398,6 +5601,82 @@
     <p:extLst>
       <p:ext uri="{BB962C8B-B14F-4D97-AF65-F5344CB8AC3E}">
         <p14:creationId xmlns:p14="http://schemas.microsoft.com/office/powerpoint/2010/main" val="955855091"/>
+      </p:ext>
+    </p:extLst>
+  </p:cSld>
+  <p:clrMapOvr>
+    <a:masterClrMapping/>
+  </p:clrMapOvr>
+</p:sld>
+</file>
+
+<file path=ppt/slides/slide20.xml><?xml version="1.0" encoding="utf-8"?>
+<p:sld xmlns:a="http://schemas.openxmlformats.org/drawingml/2006/main" xmlns:r="http://schemas.openxmlformats.org/officeDocument/2006/relationships" xmlns:p="http://schemas.openxmlformats.org/presentationml/2006/main">
+  <p:cSld>
+    <p:spTree>
+      <p:nvGrpSpPr>
+        <p:cNvPr id="1" name=""/>
+        <p:cNvGrpSpPr/>
+        <p:nvPr/>
+      </p:nvGrpSpPr>
+      <p:grpSpPr>
+        <a:xfrm>
+          <a:off x="0" y="0"/>
+          <a:ext cx="0" cy="0"/>
+          <a:chOff x="0" y="0"/>
+          <a:chExt cx="0" cy="0"/>
+        </a:xfrm>
+      </p:grpSpPr>
+      <p:sp>
+        <p:nvSpPr>
+          <p:cNvPr id="2" name="Title 1"/>
+          <p:cNvSpPr>
+            <a:spLocks noGrp="1"/>
+          </p:cNvSpPr>
+          <p:nvPr>
+            <p:ph type="title"/>
+          </p:nvPr>
+        </p:nvSpPr>
+        <p:spPr/>
+        <p:txBody>
+          <a:bodyPr/>
+          <a:lstStyle/>
+          <a:p>
+            <a:r>
+              <a:rPr lang="en-US" dirty="0"/>
+              <a:t>Appendix</a:t>
+            </a:r>
+          </a:p>
+        </p:txBody>
+      </p:sp>
+      <p:sp>
+        <p:nvSpPr>
+          <p:cNvPr id="4" name="Slide Number Placeholder 3"/>
+          <p:cNvSpPr>
+            <a:spLocks noGrp="1"/>
+          </p:cNvSpPr>
+          <p:nvPr>
+            <p:ph type="sldNum" sz="quarter" idx="12"/>
+          </p:nvPr>
+        </p:nvSpPr>
+        <p:spPr/>
+        <p:txBody>
+          <a:bodyPr/>
+          <a:lstStyle/>
+          <a:p>
+            <a:fld id="{B865C6C0-BAA3-C04F-B318-568435D2B337}" type="slidenum">
+              <a:rPr lang="en-US" smtClean="0"/>
+              <a:pPr/>
+              <a:t>20</a:t>
+            </a:fld>
+            <a:endParaRPr lang="en-US" dirty="0"/>
+          </a:p>
+        </p:txBody>
+      </p:sp>
+    </p:spTree>
+    <p:extLst>
+      <p:ext uri="{BB962C8B-B14F-4D97-AF65-F5344CB8AC3E}">
+        <p14:creationId xmlns:p14="http://schemas.microsoft.com/office/powerpoint/2010/main" val="990484178"/>
       </p:ext>
     </p:extLst>
   </p:cSld>
